--- a/OOPS.pptx
+++ b/OOPS.pptx
@@ -5,10 +5,10 @@
     <p:sldMasterId id="2147483648" r:id="rId4"/>
   </p:sldMasterIdLst>
   <p:notesMasterIdLst>
-    <p:notesMasterId r:id="rId20"/>
+    <p:notesMasterId r:id="rId22"/>
   </p:notesMasterIdLst>
   <p:handoutMasterIdLst>
-    <p:handoutMasterId r:id="rId21"/>
+    <p:handoutMasterId r:id="rId23"/>
   </p:handoutMasterIdLst>
   <p:sldIdLst>
     <p:sldId id="256" r:id="rId5"/>
@@ -25,7 +25,9 @@
     <p:sldId id="272" r:id="rId16"/>
     <p:sldId id="273" r:id="rId17"/>
     <p:sldId id="274" r:id="rId18"/>
-    <p:sldId id="263" r:id="rId19"/>
+    <p:sldId id="275" r:id="rId19"/>
+    <p:sldId id="276" r:id="rId20"/>
+    <p:sldId id="263" r:id="rId21"/>
   </p:sldIdLst>
   <p:sldSz cx="12192000" cy="6858000"/>
   <p:notesSz cx="6858000" cy="9144000"/>
@@ -8603,6 +8605,277 @@
           <p:cNvPr id="2" name="Title 1">
             <a:extLst>
               <a:ext uri="{FF2B5EF4-FFF2-40B4-BE49-F238E27FC236}">
+                <a16:creationId xmlns:a16="http://schemas.microsoft.com/office/drawing/2014/main" id="{E1331573-02FA-437D-A284-CD10D96CE2F9}"/>
+              </a:ext>
+            </a:extLst>
+          </p:cNvPr>
+          <p:cNvSpPr>
+            <a:spLocks noGrp="1"/>
+          </p:cNvSpPr>
+          <p:nvPr>
+            <p:ph type="title"/>
+          </p:nvPr>
+        </p:nvSpPr>
+        <p:spPr>
+          <a:xfrm>
+            <a:off x="217713" y="221657"/>
+            <a:ext cx="9089571" cy="1035643"/>
+          </a:xfrm>
+        </p:spPr>
+        <p:txBody>
+          <a:bodyPr/>
+          <a:lstStyle/>
+          <a:p>
+            <a:r>
+              <a:rPr lang="en-IN" dirty="0"/>
+              <a:t>Some examples of Operator Overloading</a:t>
+            </a:r>
+          </a:p>
+        </p:txBody>
+      </p:sp>
+      <p:sp>
+        <p:nvSpPr>
+          <p:cNvPr id="4" name="Slide Number Placeholder 3">
+            <a:extLst>
+              <a:ext uri="{FF2B5EF4-FFF2-40B4-BE49-F238E27FC236}">
+                <a16:creationId xmlns:a16="http://schemas.microsoft.com/office/drawing/2014/main" id="{237718CB-71F3-4AA9-B3B4-A025DD6B5443}"/>
+              </a:ext>
+            </a:extLst>
+          </p:cNvPr>
+          <p:cNvSpPr>
+            <a:spLocks noGrp="1"/>
+          </p:cNvSpPr>
+          <p:nvPr>
+            <p:ph type="sldNum" sz="quarter" idx="10"/>
+          </p:nvPr>
+        </p:nvSpPr>
+        <p:spPr/>
+        <p:txBody>
+          <a:bodyPr/>
+          <a:lstStyle/>
+          <a:p>
+            <a:r>
+              <a:rPr lang="en-US"/>
+              <a:t>PAGE </a:t>
+            </a:r>
+            <a:fld id="{4A9B5881-4007-4345-955A-79C2656F0C49}" type="slidenum">
+              <a:rPr lang="en-US" smtClean="0"/>
+              <a:pPr/>
+              <a:t>15</a:t>
+            </a:fld>
+            <a:endParaRPr lang="en-US" dirty="0"/>
+          </a:p>
+        </p:txBody>
+      </p:sp>
+      <p:pic>
+        <p:nvPicPr>
+          <p:cNvPr id="6" name="Picture 5">
+            <a:extLst>
+              <a:ext uri="{FF2B5EF4-FFF2-40B4-BE49-F238E27FC236}">
+                <a16:creationId xmlns:a16="http://schemas.microsoft.com/office/drawing/2014/main" id="{45A8F5A0-3D3E-444D-82FE-1E49AE1AC6E0}"/>
+              </a:ext>
+            </a:extLst>
+          </p:cNvPr>
+          <p:cNvPicPr>
+            <a:picLocks noChangeAspect="1"/>
+          </p:cNvPicPr>
+          <p:nvPr/>
+        </p:nvPicPr>
+        <p:blipFill>
+          <a:blip r:embed="rId2"/>
+          <a:stretch>
+            <a:fillRect/>
+          </a:stretch>
+        </p:blipFill>
+        <p:spPr>
+          <a:xfrm>
+            <a:off x="1175657" y="1495946"/>
+            <a:ext cx="5845628" cy="5045529"/>
+          </a:xfrm>
+          <a:prstGeom prst="rect">
+            <a:avLst/>
+          </a:prstGeom>
+        </p:spPr>
+      </p:pic>
+    </p:spTree>
+    <p:extLst>
+      <p:ext uri="{BB962C8B-B14F-4D97-AF65-F5344CB8AC3E}">
+        <p14:creationId xmlns:p14="http://schemas.microsoft.com/office/powerpoint/2010/main" val="104269746"/>
+      </p:ext>
+    </p:extLst>
+  </p:cSld>
+  <p:clrMapOvr>
+    <a:masterClrMapping/>
+  </p:clrMapOvr>
+</p:sld>
+</file>
+
+<file path=ppt/slides/slide16.xml><?xml version="1.0" encoding="utf-8"?>
+<p:sld xmlns:a="http://schemas.openxmlformats.org/drawingml/2006/main" xmlns:r="http://schemas.openxmlformats.org/officeDocument/2006/relationships" xmlns:p="http://schemas.openxmlformats.org/presentationml/2006/main">
+  <p:cSld>
+    <p:spTree>
+      <p:nvGrpSpPr>
+        <p:cNvPr id="1" name=""/>
+        <p:cNvGrpSpPr/>
+        <p:nvPr/>
+      </p:nvGrpSpPr>
+      <p:grpSpPr>
+        <a:xfrm>
+          <a:off x="0" y="0"/>
+          <a:ext cx="0" cy="0"/>
+          <a:chOff x="0" y="0"/>
+          <a:chExt cx="0" cy="0"/>
+        </a:xfrm>
+      </p:grpSpPr>
+      <p:sp>
+        <p:nvSpPr>
+          <p:cNvPr id="2" name="Title 1">
+            <a:extLst>
+              <a:ext uri="{FF2B5EF4-FFF2-40B4-BE49-F238E27FC236}">
+                <a16:creationId xmlns:a16="http://schemas.microsoft.com/office/drawing/2014/main" id="{112B6D2A-318D-436E-8A8E-2BC2EB9560E7}"/>
+              </a:ext>
+            </a:extLst>
+          </p:cNvPr>
+          <p:cNvSpPr>
+            <a:spLocks noGrp="1"/>
+          </p:cNvSpPr>
+          <p:nvPr>
+            <p:ph type="title"/>
+          </p:nvPr>
+        </p:nvSpPr>
+        <p:spPr/>
+        <p:txBody>
+          <a:bodyPr/>
+          <a:lstStyle/>
+          <a:p>
+            <a:endParaRPr lang="en-IN"/>
+          </a:p>
+        </p:txBody>
+      </p:sp>
+      <p:sp>
+        <p:nvSpPr>
+          <p:cNvPr id="3" name="Content Placeholder 2">
+            <a:extLst>
+              <a:ext uri="{FF2B5EF4-FFF2-40B4-BE49-F238E27FC236}">
+                <a16:creationId xmlns:a16="http://schemas.microsoft.com/office/drawing/2014/main" id="{3F702466-7A66-44C6-9017-A098D9D1398C}"/>
+              </a:ext>
+            </a:extLst>
+          </p:cNvPr>
+          <p:cNvSpPr>
+            <a:spLocks noGrp="1"/>
+          </p:cNvSpPr>
+          <p:nvPr>
+            <p:ph idx="1"/>
+          </p:nvPr>
+        </p:nvSpPr>
+        <p:spPr/>
+        <p:txBody>
+          <a:bodyPr/>
+          <a:lstStyle/>
+          <a:p>
+            <a:endParaRPr lang="en-IN"/>
+          </a:p>
+        </p:txBody>
+      </p:sp>
+      <p:sp>
+        <p:nvSpPr>
+          <p:cNvPr id="4" name="Slide Number Placeholder 3">
+            <a:extLst>
+              <a:ext uri="{FF2B5EF4-FFF2-40B4-BE49-F238E27FC236}">
+                <a16:creationId xmlns:a16="http://schemas.microsoft.com/office/drawing/2014/main" id="{32E9A0C9-0F8A-465C-BFB5-516424F3AF06}"/>
+              </a:ext>
+            </a:extLst>
+          </p:cNvPr>
+          <p:cNvSpPr>
+            <a:spLocks noGrp="1"/>
+          </p:cNvSpPr>
+          <p:nvPr>
+            <p:ph type="sldNum" sz="quarter" idx="10"/>
+          </p:nvPr>
+        </p:nvSpPr>
+        <p:spPr/>
+        <p:txBody>
+          <a:bodyPr/>
+          <a:lstStyle/>
+          <a:p>
+            <a:r>
+              <a:rPr lang="en-US"/>
+              <a:t>PAGE </a:t>
+            </a:r>
+            <a:fld id="{4A9B5881-4007-4345-955A-79C2656F0C49}" type="slidenum">
+              <a:rPr lang="en-US" smtClean="0"/>
+              <a:pPr/>
+              <a:t>16</a:t>
+            </a:fld>
+            <a:endParaRPr lang="en-US" dirty="0"/>
+          </a:p>
+        </p:txBody>
+      </p:sp>
+      <p:pic>
+        <p:nvPicPr>
+          <p:cNvPr id="5" name="Picture 4">
+            <a:extLst>
+              <a:ext uri="{FF2B5EF4-FFF2-40B4-BE49-F238E27FC236}">
+                <a16:creationId xmlns:a16="http://schemas.microsoft.com/office/drawing/2014/main" id="{936DF9DA-E67F-40D0-BF4F-2CA410068644}"/>
+              </a:ext>
+            </a:extLst>
+          </p:cNvPr>
+          <p:cNvPicPr>
+            <a:picLocks noChangeAspect="1"/>
+          </p:cNvPicPr>
+          <p:nvPr/>
+        </p:nvPicPr>
+        <p:blipFill>
+          <a:blip r:embed="rId2"/>
+          <a:stretch>
+            <a:fillRect/>
+          </a:stretch>
+        </p:blipFill>
+        <p:spPr>
+          <a:xfrm>
+            <a:off x="838200" y="611076"/>
+            <a:ext cx="8867775" cy="5591175"/>
+          </a:xfrm>
+          <a:prstGeom prst="rect">
+            <a:avLst/>
+          </a:prstGeom>
+        </p:spPr>
+      </p:pic>
+    </p:spTree>
+    <p:extLst>
+      <p:ext uri="{BB962C8B-B14F-4D97-AF65-F5344CB8AC3E}">
+        <p14:creationId xmlns:p14="http://schemas.microsoft.com/office/powerpoint/2010/main" val="591781014"/>
+      </p:ext>
+    </p:extLst>
+  </p:cSld>
+  <p:clrMapOvr>
+    <a:masterClrMapping/>
+  </p:clrMapOvr>
+</p:sld>
+</file>
+
+<file path=ppt/slides/slide17.xml><?xml version="1.0" encoding="utf-8"?>
+<p:sld xmlns:a="http://schemas.openxmlformats.org/drawingml/2006/main" xmlns:r="http://schemas.openxmlformats.org/officeDocument/2006/relationships" xmlns:p="http://schemas.openxmlformats.org/presentationml/2006/main">
+  <p:cSld>
+    <p:spTree>
+      <p:nvGrpSpPr>
+        <p:cNvPr id="1" name=""/>
+        <p:cNvGrpSpPr/>
+        <p:nvPr/>
+      </p:nvGrpSpPr>
+      <p:grpSpPr>
+        <a:xfrm>
+          <a:off x="0" y="0"/>
+          <a:ext cx="0" cy="0"/>
+          <a:chOff x="0" y="0"/>
+          <a:chExt cx="0" cy="0"/>
+        </a:xfrm>
+      </p:grpSpPr>
+      <p:sp>
+        <p:nvSpPr>
+          <p:cNvPr id="2" name="Title 1">
+            <a:extLst>
+              <a:ext uri="{FF2B5EF4-FFF2-40B4-BE49-F238E27FC236}">
                 <a16:creationId xmlns:a16="http://schemas.microsoft.com/office/drawing/2014/main" id="{C8F58AE6-56F6-44E8-8BBF-23277B1773E4}"/>
               </a:ext>
             </a:extLst>
@@ -8720,7 +8993,7 @@
             <a:fld id="{4A9B5881-4007-4345-955A-79C2656F0C49}" type="slidenum">
               <a:rPr lang="en-US" smtClean="0"/>
               <a:pPr/>
-              <a:t>15</a:t>
+              <a:t>17</a:t>
             </a:fld>
             <a:endParaRPr lang="en-US" dirty="0"/>
           </a:p>
@@ -12971,24 +13244,6 @@
 </file>
 
 <file path=customXml/item1.xml><?xml version="1.0" encoding="utf-8"?>
-<p:properties xmlns:p="http://schemas.microsoft.com/office/2006/metadata/properties" xmlns:xsi="http://www.w3.org/2001/XMLSchema-instance" xmlns:pc="http://schemas.microsoft.com/office/infopath/2007/PartnerControls">
-  <documentManagement>
-    <Status xmlns="71af3243-3dd4-4a8d-8c0d-dd76da1f02a5">Not started</Status>
-    <MediaServiceKeyPoints xmlns="71af3243-3dd4-4a8d-8c0d-dd76da1f02a5" xsi:nil="true"/>
-  </documentManagement>
-</p:properties>
-</file>
-
-<file path=customXml/item2.xml><?xml version="1.0" encoding="utf-8"?>
-<?mso-contentType ?>
-<FormTemplates xmlns="http://schemas.microsoft.com/sharepoint/v3/contenttype/forms">
-  <Display>DocumentLibraryForm</Display>
-  <Edit>DocumentLibraryForm</Edit>
-  <New>DocumentLibraryForm</New>
-</FormTemplates>
-</file>
-
-<file path=customXml/item3.xml><?xml version="1.0" encoding="utf-8"?>
 <ct:contentTypeSchema xmlns:ct="http://schemas.microsoft.com/office/2006/metadata/contentType" xmlns:ma="http://schemas.microsoft.com/office/2006/metadata/properties/metaAttributes" ct:_="" ma:_="" ma:contentTypeName="Document" ma:contentTypeID="0x01010079F111ED35F8CC479449609E8A0923A6" ma:contentTypeVersion="12" ma:contentTypeDescription="Create a new document." ma:contentTypeScope="" ma:versionID="fa6e671f1cd7e4d96ff9652be322dd5e">
   <xsd:schema xmlns:xsd="http://www.w3.org/2001/XMLSchema" xmlns:xs="http://www.w3.org/2001/XMLSchema" xmlns:p="http://schemas.microsoft.com/office/2006/metadata/properties" xmlns:ns2="71af3243-3dd4-4a8d-8c0d-dd76da1f02a5" xmlns:ns3="16c05727-aa75-4e4a-9b5f-8a80a1165891" targetNamespace="http://schemas.microsoft.com/office/2006/metadata/properties" ma:root="true" ma:fieldsID="4e2496f70b101db0b8013f30a071bbf7" ns2:_="" ns3:_="">
     <xsd:import namespace="71af3243-3dd4-4a8d-8c0d-dd76da1f02a5"/>
@@ -13209,25 +13464,25 @@
 </ct:contentTypeSchema>
 </file>
 
-<file path=customXml/itemProps1.xml><?xml version="1.0" encoding="utf-8"?>
-<ds:datastoreItem xmlns:ds="http://schemas.openxmlformats.org/officeDocument/2006/customXml" ds:itemID="{F4E32C0B-4052-44CB-9341-8AD8B2CC4712}">
-  <ds:schemaRefs>
-    <ds:schemaRef ds:uri="http://schemas.microsoft.com/office/2006/metadata/properties"/>
-    <ds:schemaRef ds:uri="http://schemas.microsoft.com/office/infopath/2007/PartnerControls"/>
-    <ds:schemaRef ds:uri="71af3243-3dd4-4a8d-8c0d-dd76da1f02a5"/>
-  </ds:schemaRefs>
-</ds:datastoreItem>
+<file path=customXml/item2.xml><?xml version="1.0" encoding="utf-8"?>
+<?mso-contentType ?>
+<FormTemplates xmlns="http://schemas.microsoft.com/sharepoint/v3/contenttype/forms">
+  <Display>DocumentLibraryForm</Display>
+  <Edit>DocumentLibraryForm</Edit>
+  <New>DocumentLibraryForm</New>
+</FormTemplates>
 </file>
 
-<file path=customXml/itemProps2.xml><?xml version="1.0" encoding="utf-8"?>
-<ds:datastoreItem xmlns:ds="http://schemas.openxmlformats.org/officeDocument/2006/customXml" ds:itemID="{EBB7C387-AFDC-4FE3-A658-984B7F35F155}">
-  <ds:schemaRefs>
-    <ds:schemaRef ds:uri="http://schemas.microsoft.com/sharepoint/v3/contenttype/forms"/>
-  </ds:schemaRefs>
-</ds:datastoreItem>
+<file path=customXml/item3.xml><?xml version="1.0" encoding="utf-8"?>
+<p:properties xmlns:p="http://schemas.microsoft.com/office/2006/metadata/properties" xmlns:xsi="http://www.w3.org/2001/XMLSchema-instance" xmlns:pc="http://schemas.microsoft.com/office/infopath/2007/PartnerControls">
+  <documentManagement>
+    <Status xmlns="71af3243-3dd4-4a8d-8c0d-dd76da1f02a5">Not started</Status>
+    <MediaServiceKeyPoints xmlns="71af3243-3dd4-4a8d-8c0d-dd76da1f02a5" xsi:nil="true"/>
+  </documentManagement>
+</p:properties>
 </file>
 
-<file path=customXml/itemProps3.xml><?xml version="1.0" encoding="utf-8"?>
+<file path=customXml/itemProps1.xml><?xml version="1.0" encoding="utf-8"?>
 <ds:datastoreItem xmlns:ds="http://schemas.openxmlformats.org/officeDocument/2006/customXml" ds:itemID="{D6766BD6-F648-49AA-B7EC-13E75CECB99A}">
   <ds:schemaRefs>
     <ds:schemaRef ds:uri="http://schemas.microsoft.com/office/2006/metadata/contentType"/>
@@ -13244,4 +13499,22 @@
     <ds:schemaRef ds:uri="http://schemas.microsoft.com/internal/obd"/>
   </ds:schemaRefs>
 </ds:datastoreItem>
+</file>
+
+<file path=customXml/itemProps2.xml><?xml version="1.0" encoding="utf-8"?>
+<ds:datastoreItem xmlns:ds="http://schemas.openxmlformats.org/officeDocument/2006/customXml" ds:itemID="{EBB7C387-AFDC-4FE3-A658-984B7F35F155}">
+  <ds:schemaRefs>
+    <ds:schemaRef ds:uri="http://schemas.microsoft.com/sharepoint/v3/contenttype/forms"/>
+  </ds:schemaRefs>
+</ds:datastoreItem>
+</file>
+
+<file path=customXml/itemProps3.xml><?xml version="1.0" encoding="utf-8"?>
+<ds:datastoreItem xmlns:ds="http://schemas.openxmlformats.org/officeDocument/2006/customXml" ds:itemID="{F4E32C0B-4052-44CB-9341-8AD8B2CC4712}">
+  <ds:schemaRefs>
+    <ds:schemaRef ds:uri="http://schemas.microsoft.com/office/2006/metadata/properties"/>
+    <ds:schemaRef ds:uri="http://schemas.microsoft.com/office/infopath/2007/PartnerControls"/>
+    <ds:schemaRef ds:uri="71af3243-3dd4-4a8d-8c0d-dd76da1f02a5"/>
+  </ds:schemaRefs>
+</ds:datastoreItem>
 </file>